--- a/编码引论第三次展示报告.pptx
+++ b/编码引论第三次展示报告.pptx
@@ -26369,7 +26369,7 @@
               <a:rPr lang="zh-CN" altLang="en-US" smtClean="0"/>
               <a:t>37</a:t>
             </a:fld>
-            <a:endParaRPr lang="zh-CN" altLang="en-US"/>
+            <a:endParaRPr lang="zh-CN" altLang="en-US" dirty="0"/>
           </a:p>
         </p:txBody>
       </p:sp>
@@ -27623,7 +27623,31 @@
           <a:p>
             <a:r>
               <a:rPr lang="zh-CN" altLang="en-US" sz="2400" dirty="0" smtClean="0"/>
-              <a:t>但在这一条件下，无信道编码时的传输误码率在</a:t>
+              <a:t>但</a:t>
+            </a:r>
+            <a:r>
+              <a:rPr lang="zh-CN" altLang="en-US" sz="2400" dirty="0" smtClean="0"/>
+              <a:t>在</a:t>
+            </a:r>
+            <a:r>
+              <a:rPr lang="en-US" altLang="zh-CN" sz="2400" dirty="0"/>
+              <a:t>σ=0.35</a:t>
+            </a:r>
+            <a:r>
+              <a:rPr lang="zh-CN" altLang="en-US" sz="2400" dirty="0"/>
+              <a:t>即信噪比为</a:t>
+            </a:r>
+            <a:r>
+              <a:rPr lang="en-US" altLang="zh-CN" sz="2400" dirty="0"/>
+              <a:t>-4dB</a:t>
+            </a:r>
+            <a:r>
+              <a:rPr lang="zh-CN" altLang="en-US" sz="2400" dirty="0"/>
+              <a:t>的情况下</a:t>
+            </a:r>
+            <a:r>
+              <a:rPr lang="zh-CN" altLang="en-US" sz="2400" dirty="0" smtClean="0"/>
+              <a:t>，无信道编码时的传输误码率在</a:t>
             </a:r>
             <a:r>
               <a:rPr lang="en-US" altLang="zh-CN" sz="2400" dirty="0" smtClean="0"/>
@@ -28955,7 +28979,11 @@
             </a:r>
             <a:r>
               <a:rPr lang="zh-CN" altLang="en-US" sz="2200" dirty="0" smtClean="0"/>
-              <a:t>）均能做到无误码传输，故在此以理论上效果最差的</a:t>
+              <a:t>）均能做到无误码传输，故在此以</a:t>
+            </a:r>
+            <a:r>
+              <a:rPr lang="zh-CN" altLang="en-US" sz="2200" dirty="0" smtClean="0"/>
+              <a:t>理论上误码率最高的</a:t>
             </a:r>
             <a:r>
               <a:rPr lang="en-US" altLang="zh-CN" sz="2200" dirty="0" smtClean="0"/>
@@ -30133,12 +30161,12 @@
                     <a:p>
                       <a:pPr algn="ctr" fontAlgn="b"/>
                       <a:r>
-                        <a:rPr lang="en-US" altLang="zh-CN" sz="1800" u="none" strike="noStrike">
+                        <a:rPr lang="en-US" altLang="zh-CN" sz="1800" u="none" strike="noStrike" dirty="0">
                           <a:effectLst/>
                         </a:rPr>
                         <a:t>1.78974534</a:t>
                       </a:r>
-                      <a:endParaRPr lang="en-US" altLang="zh-CN" sz="1800" b="0" i="0" u="none" strike="noStrike">
+                      <a:endParaRPr lang="en-US" altLang="zh-CN" sz="1800" b="0" i="0" u="none" strike="noStrike" dirty="0">
                         <a:solidFill>
                           <a:srgbClr val="000000"/>
                         </a:solidFill>
@@ -30267,12 +30295,12 @@
                     <a:p>
                       <a:pPr algn="ctr" fontAlgn="b"/>
                       <a:r>
-                        <a:rPr lang="en-US" altLang="zh-CN" sz="1800" u="none" strike="noStrike">
+                        <a:rPr lang="en-US" altLang="zh-CN" sz="1800" u="none" strike="noStrike" dirty="0">
                           <a:effectLst/>
                         </a:rPr>
                         <a:t>42585</a:t>
                       </a:r>
-                      <a:endParaRPr lang="en-US" altLang="zh-CN" sz="1800" b="0" i="0" u="none" strike="noStrike">
+                      <a:endParaRPr lang="en-US" altLang="zh-CN" sz="1800" b="0" i="0" u="none" strike="noStrike" dirty="0">
                         <a:solidFill>
                           <a:srgbClr val="000000"/>
                         </a:solidFill>
@@ -30346,12 +30374,12 @@
                     <a:p>
                       <a:pPr algn="ctr" fontAlgn="b"/>
                       <a:r>
-                        <a:rPr lang="en-US" altLang="zh-CN" sz="1800" u="none" strike="noStrike">
+                        <a:rPr lang="en-US" altLang="zh-CN" sz="1800" u="none" strike="noStrike" dirty="0">
                           <a:effectLst/>
                         </a:rPr>
                         <a:t>30033</a:t>
                       </a:r>
-                      <a:endParaRPr lang="en-US" altLang="zh-CN" sz="1800" b="0" i="0" u="none" strike="noStrike">
+                      <a:endParaRPr lang="en-US" altLang="zh-CN" sz="1800" b="0" i="0" u="none" strike="noStrike" dirty="0">
                         <a:solidFill>
                           <a:srgbClr val="000000"/>
                         </a:solidFill>
@@ -31329,12 +31357,12 @@
                     <a:p>
                       <a:pPr algn="ctr" fontAlgn="b"/>
                       <a:r>
-                        <a:rPr lang="zh-CN" altLang="en-US" sz="1800" u="none" strike="noStrike">
+                        <a:rPr lang="zh-CN" altLang="en-US" sz="1800" u="none" strike="noStrike" dirty="0">
                           <a:effectLst/>
                         </a:rPr>
                         <a:t>压缩比</a:t>
                       </a:r>
-                      <a:endParaRPr lang="zh-CN" altLang="en-US" sz="1800" b="0" i="0" u="none" strike="noStrike">
+                      <a:endParaRPr lang="zh-CN" altLang="en-US" sz="1800" b="0" i="0" u="none" strike="noStrike" dirty="0">
                         <a:solidFill>
                           <a:srgbClr val="000000"/>
                         </a:solidFill>
